--- a/Pitch.pptx
+++ b/Pitch.pptx
@@ -8,6 +8,8 @@
     <p:sldId id="256" r:id="rId2"/>
     <p:sldId id="257" r:id="rId3"/>
     <p:sldId id="258" r:id="rId4"/>
+    <p:sldId id="259" r:id="rId5"/>
+    <p:sldId id="260" r:id="rId6"/>
   </p:sldIdLst>
   <p:sldSz cx="12192000" cy="6858000"/>
   <p:notesSz cx="6858000" cy="9144000"/>
@@ -106,6 +108,11 @@
       </a:defRPr>
     </a:lvl9pPr>
   </p:defaultTextStyle>
+  <p:extLst>
+    <p:ext uri="{EFAFB233-063F-42B5-8137-9DF3F51BA10A}">
+      <p15:sldGuideLst xmlns:p15="http://schemas.microsoft.com/office/powerpoint/2012/main"/>
+    </p:ext>
+  </p:extLst>
 </p:presentation>
 </file>
 
@@ -3196,7 +3203,56 @@
           <a:bodyPr/>
           <a:lstStyle/>
           <a:p>
-            <a:endParaRPr lang="en-GB"/>
+            <a:r>
+              <a:rPr lang="en-GB" dirty="0" smtClean="0"/>
+              <a:t>Companies pay affiliates for referrals</a:t>
+            </a:r>
+          </a:p>
+          <a:p>
+            <a:endParaRPr lang="en-GB" dirty="0" smtClean="0"/>
+          </a:p>
+          <a:p>
+            <a:r>
+              <a:rPr lang="en-GB" dirty="0" smtClean="0"/>
+              <a:t>Take this money and invest it in </a:t>
+            </a:r>
+            <a:r>
+              <a:rPr lang="en-GB" dirty="0" err="1" smtClean="0"/>
+              <a:t>zopa</a:t>
+            </a:r>
+            <a:r>
+              <a:rPr lang="en-GB" dirty="0" smtClean="0"/>
+              <a:t> on behalf of the customer</a:t>
+            </a:r>
+          </a:p>
+          <a:p>
+            <a:pPr lvl="1"/>
+            <a:r>
+              <a:rPr lang="en-GB" dirty="0" smtClean="0"/>
+              <a:t>Earn 3.1% interest in </a:t>
+            </a:r>
+            <a:r>
+              <a:rPr lang="en-GB" dirty="0" err="1" smtClean="0"/>
+              <a:t>zopa</a:t>
+            </a:r>
+            <a:r>
+              <a:rPr lang="en-GB" dirty="0" smtClean="0"/>
+              <a:t> access</a:t>
+            </a:r>
+          </a:p>
+          <a:p>
+            <a:endParaRPr lang="en-GB" dirty="0" smtClean="0"/>
+          </a:p>
+          <a:p>
+            <a:r>
+              <a:rPr lang="en-GB" dirty="0" smtClean="0"/>
+              <a:t>Encourage user to top up their accumulated savings</a:t>
+            </a:r>
+            <a:endParaRPr lang="en-GB" dirty="0"/>
+          </a:p>
+          <a:p>
+            <a:pPr lvl="1"/>
+            <a:endParaRPr lang="en-GB" dirty="0"/>
           </a:p>
         </p:txBody>
       </p:sp>
@@ -3204,6 +3260,218 @@
     <p:extLst>
       <p:ext uri="{BB962C8B-B14F-4D97-AF65-F5344CB8AC3E}">
         <p14:creationId xmlns:p14="http://schemas.microsoft.com/office/powerpoint/2010/main" val="2385392006"/>
+      </p:ext>
+    </p:extLst>
+  </p:cSld>
+  <p:clrMapOvr>
+    <a:masterClrMapping/>
+  </p:clrMapOvr>
+</p:sld>
+</file>
+
+<file path=ppt/slides/slide4.xml><?xml version="1.0" encoding="utf-8"?>
+<p:sld xmlns:a="http://schemas.openxmlformats.org/drawingml/2006/main" xmlns:r="http://schemas.openxmlformats.org/officeDocument/2006/relationships" xmlns:p="http://schemas.openxmlformats.org/presentationml/2006/main">
+  <p:cSld>
+    <p:spTree>
+      <p:nvGrpSpPr>
+        <p:cNvPr id="1" name=""/>
+        <p:cNvGrpSpPr/>
+        <p:nvPr/>
+      </p:nvGrpSpPr>
+      <p:grpSpPr>
+        <a:xfrm>
+          <a:off x="0" y="0"/>
+          <a:ext cx="0" cy="0"/>
+          <a:chOff x="0" y="0"/>
+          <a:chExt cx="0" cy="0"/>
+        </a:xfrm>
+      </p:grpSpPr>
+      <p:sp>
+        <p:nvSpPr>
+          <p:cNvPr id="2" name="Title 1"/>
+          <p:cNvSpPr>
+            <a:spLocks noGrp="1"/>
+          </p:cNvSpPr>
+          <p:nvPr>
+            <p:ph type="title"/>
+          </p:nvPr>
+        </p:nvSpPr>
+        <p:spPr/>
+        <p:txBody>
+          <a:bodyPr/>
+          <a:lstStyle/>
+          <a:p>
+            <a:r>
+              <a:rPr lang="en-GB" dirty="0" smtClean="0"/>
+              <a:t>The Business</a:t>
+            </a:r>
+            <a:endParaRPr lang="en-GB" dirty="0"/>
+          </a:p>
+        </p:txBody>
+      </p:sp>
+      <p:sp>
+        <p:nvSpPr>
+          <p:cNvPr id="3" name="Content Placeholder 2"/>
+          <p:cNvSpPr>
+            <a:spLocks noGrp="1"/>
+          </p:cNvSpPr>
+          <p:nvPr>
+            <p:ph idx="1"/>
+          </p:nvPr>
+        </p:nvSpPr>
+        <p:spPr/>
+        <p:txBody>
+          <a:bodyPr/>
+          <a:lstStyle/>
+          <a:p>
+            <a:r>
+              <a:rPr lang="en-GB" dirty="0" smtClean="0"/>
+              <a:t>On average a customer earns £280/year</a:t>
+            </a:r>
+          </a:p>
+          <a:p>
+            <a:endParaRPr lang="en-GB" dirty="0"/>
+          </a:p>
+          <a:p>
+            <a:r>
+              <a:rPr lang="en-GB" dirty="0" smtClean="0"/>
+              <a:t>We can take a slice of this</a:t>
+            </a:r>
+          </a:p>
+          <a:p>
+            <a:pPr lvl="1"/>
+            <a:r>
+              <a:rPr lang="en-GB" dirty="0" smtClean="0"/>
+              <a:t>Similar businesses take 12%</a:t>
+            </a:r>
+          </a:p>
+          <a:p>
+            <a:endParaRPr lang="en-GB" dirty="0"/>
+          </a:p>
+          <a:p>
+            <a:r>
+              <a:rPr lang="en-GB" dirty="0" smtClean="0"/>
+              <a:t>&gt;16M people in the UK have savings less than £100</a:t>
+            </a:r>
+            <a:endParaRPr lang="en-GB" dirty="0"/>
+          </a:p>
+          <a:p>
+            <a:pPr lvl="1"/>
+            <a:r>
+              <a:rPr lang="en-GB" dirty="0" smtClean="0"/>
+              <a:t>30k users would make turnover of ~£1M</a:t>
+            </a:r>
+          </a:p>
+          <a:p>
+            <a:pPr lvl="1"/>
+            <a:endParaRPr lang="en-GB" dirty="0" smtClean="0"/>
+          </a:p>
+          <a:p>
+            <a:endParaRPr lang="en-GB" dirty="0"/>
+          </a:p>
+        </p:txBody>
+      </p:sp>
+    </p:spTree>
+    <p:extLst>
+      <p:ext uri="{BB962C8B-B14F-4D97-AF65-F5344CB8AC3E}">
+        <p14:creationId xmlns:p14="http://schemas.microsoft.com/office/powerpoint/2010/main" val="289587713"/>
+      </p:ext>
+    </p:extLst>
+  </p:cSld>
+  <p:clrMapOvr>
+    <a:masterClrMapping/>
+  </p:clrMapOvr>
+</p:sld>
+</file>
+
+<file path=ppt/slides/slide5.xml><?xml version="1.0" encoding="utf-8"?>
+<p:sld xmlns:a="http://schemas.openxmlformats.org/drawingml/2006/main" xmlns:r="http://schemas.openxmlformats.org/officeDocument/2006/relationships" xmlns:p="http://schemas.openxmlformats.org/presentationml/2006/main">
+  <p:cSld>
+    <p:spTree>
+      <p:nvGrpSpPr>
+        <p:cNvPr id="1" name=""/>
+        <p:cNvGrpSpPr/>
+        <p:nvPr/>
+      </p:nvGrpSpPr>
+      <p:grpSpPr>
+        <a:xfrm>
+          <a:off x="0" y="0"/>
+          <a:ext cx="0" cy="0"/>
+          <a:chOff x="0" y="0"/>
+          <a:chExt cx="0" cy="0"/>
+        </a:xfrm>
+      </p:grpSpPr>
+      <p:sp>
+        <p:nvSpPr>
+          <p:cNvPr id="2" name="Title 1"/>
+          <p:cNvSpPr>
+            <a:spLocks noGrp="1"/>
+          </p:cNvSpPr>
+          <p:nvPr>
+            <p:ph type="title"/>
+          </p:nvPr>
+        </p:nvSpPr>
+        <p:spPr/>
+        <p:txBody>
+          <a:bodyPr/>
+          <a:lstStyle/>
+          <a:p>
+            <a:r>
+              <a:rPr lang="en-GB" dirty="0" smtClean="0"/>
+              <a:t>The user experience</a:t>
+            </a:r>
+            <a:endParaRPr lang="en-GB" dirty="0"/>
+          </a:p>
+        </p:txBody>
+      </p:sp>
+      <p:sp>
+        <p:nvSpPr>
+          <p:cNvPr id="3" name="Content Placeholder 2"/>
+          <p:cNvSpPr>
+            <a:spLocks noGrp="1"/>
+          </p:cNvSpPr>
+          <p:nvPr>
+            <p:ph idx="1"/>
+          </p:nvPr>
+        </p:nvSpPr>
+        <p:spPr/>
+        <p:txBody>
+          <a:bodyPr/>
+          <a:lstStyle/>
+          <a:p>
+            <a:r>
+              <a:rPr lang="en-GB" dirty="0" smtClean="0"/>
+              <a:t>The stash prototype is online now!</a:t>
+            </a:r>
+          </a:p>
+          <a:p>
+            <a:endParaRPr lang="en-GB" dirty="0"/>
+          </a:p>
+          <a:p>
+            <a:r>
+              <a:rPr lang="en-GB" dirty="0">
+                <a:hlinkClick r:id="rId2"/>
+              </a:rPr>
+              <a:t>https://</a:t>
+            </a:r>
+            <a:r>
+              <a:rPr lang="en-GB" dirty="0" smtClean="0">
+                <a:hlinkClick r:id="rId2"/>
+              </a:rPr>
+              <a:t>kieranlynam.github.io/Stash/prototype/index.html</a:t>
+            </a:r>
+            <a:r>
+              <a:rPr lang="en-GB" dirty="0" smtClean="0"/>
+              <a:t> </a:t>
+            </a:r>
+            <a:endParaRPr lang="en-GB" dirty="0"/>
+          </a:p>
+        </p:txBody>
+      </p:sp>
+    </p:spTree>
+    <p:extLst>
+      <p:ext uri="{BB962C8B-B14F-4D97-AF65-F5344CB8AC3E}">
+        <p14:creationId xmlns:p14="http://schemas.microsoft.com/office/powerpoint/2010/main" val="2395623882"/>
       </p:ext>
     </p:extLst>
   </p:cSld>
